--- a/speedReading/summary-spring2021.pptx
+++ b/speedReading/summary-spring2021.pptx
@@ -14,6 +14,10 @@
     <p:sldId id="262" r:id="rId8"/>
     <p:sldId id="263" r:id="rId9"/>
     <p:sldId id="264" r:id="rId10"/>
+    <p:sldId id="265" r:id="rId11"/>
+    <p:sldId id="266" r:id="rId12"/>
+    <p:sldId id="267" r:id="rId13"/>
+    <p:sldId id="268" r:id="rId14"/>
   </p:sldIdLst>
   <p:sldSz cx="12192000" cy="6858000"/>
   <p:notesSz cx="6858000" cy="9144000"/>
@@ -267,7 +271,7 @@
           <a:p>
             <a:fld id="{CC8B6358-BFB7-4578-A38B-C38A737B95AF}" type="datetimeFigureOut">
               <a:rPr kumimoji="1" lang="ja-JP" altLang="en-US" smtClean="0"/>
-              <a:t>2021/2/12</a:t>
+              <a:t>2021/3/8</a:t>
             </a:fld>
             <a:endParaRPr kumimoji="1" lang="ja-JP" altLang="en-US"/>
           </a:p>
@@ -497,7 +501,7 @@
           <a:p>
             <a:fld id="{CC8B6358-BFB7-4578-A38B-C38A737B95AF}" type="datetimeFigureOut">
               <a:rPr kumimoji="1" lang="ja-JP" altLang="en-US" smtClean="0"/>
-              <a:t>2021/2/12</a:t>
+              <a:t>2021/3/8</a:t>
             </a:fld>
             <a:endParaRPr kumimoji="1" lang="ja-JP" altLang="en-US"/>
           </a:p>
@@ -737,7 +741,7 @@
           <a:p>
             <a:fld id="{CC8B6358-BFB7-4578-A38B-C38A737B95AF}" type="datetimeFigureOut">
               <a:rPr kumimoji="1" lang="ja-JP" altLang="en-US" smtClean="0"/>
-              <a:t>2021/2/12</a:t>
+              <a:t>2021/3/8</a:t>
             </a:fld>
             <a:endParaRPr kumimoji="1" lang="ja-JP" altLang="en-US"/>
           </a:p>
@@ -889,7 +893,7 @@
           <a:p>
             <a:fld id="{CC8B6358-BFB7-4578-A38B-C38A737B95AF}" type="datetimeFigureOut">
               <a:rPr kumimoji="1" lang="ja-JP" altLang="en-US" smtClean="0"/>
-              <a:t>2021/2/12</a:t>
+              <a:t>2021/3/8</a:t>
             </a:fld>
             <a:endParaRPr kumimoji="1" lang="ja-JP" altLang="en-US"/>
           </a:p>
@@ -1266,7 +1270,7 @@
           <a:p>
             <a:fld id="{CC8B6358-BFB7-4578-A38B-C38A737B95AF}" type="datetimeFigureOut">
               <a:rPr kumimoji="1" lang="ja-JP" altLang="en-US" smtClean="0"/>
-              <a:t>2021/2/12</a:t>
+              <a:t>2021/3/8</a:t>
             </a:fld>
             <a:endParaRPr kumimoji="1" lang="ja-JP" altLang="en-US"/>
           </a:p>
@@ -1541,7 +1545,7 @@
           <a:p>
             <a:fld id="{CC8B6358-BFB7-4578-A38B-C38A737B95AF}" type="datetimeFigureOut">
               <a:rPr kumimoji="1" lang="ja-JP" altLang="en-US" smtClean="0"/>
-              <a:t>2021/2/12</a:t>
+              <a:t>2021/3/8</a:t>
             </a:fld>
             <a:endParaRPr kumimoji="1" lang="ja-JP" altLang="en-US"/>
           </a:p>
@@ -1870,7 +1874,7 @@
           <a:p>
             <a:fld id="{CC8B6358-BFB7-4578-A38B-C38A737B95AF}" type="datetimeFigureOut">
               <a:rPr kumimoji="1" lang="ja-JP" altLang="en-US" smtClean="0"/>
-              <a:t>2021/2/12</a:t>
+              <a:t>2021/3/8</a:t>
             </a:fld>
             <a:endParaRPr kumimoji="1" lang="ja-JP" altLang="en-US"/>
           </a:p>
@@ -2346,7 +2350,7 @@
           <a:p>
             <a:fld id="{CC8B6358-BFB7-4578-A38B-C38A737B95AF}" type="datetimeFigureOut">
               <a:rPr kumimoji="1" lang="ja-JP" altLang="en-US" smtClean="0"/>
-              <a:t>2021/2/12</a:t>
+              <a:t>2021/3/8</a:t>
             </a:fld>
             <a:endParaRPr kumimoji="1" lang="ja-JP" altLang="en-US"/>
           </a:p>
@@ -2487,7 +2491,7 @@
           <a:p>
             <a:fld id="{CC8B6358-BFB7-4578-A38B-C38A737B95AF}" type="datetimeFigureOut">
               <a:rPr kumimoji="1" lang="ja-JP" altLang="en-US" smtClean="0"/>
-              <a:t>2021/2/12</a:t>
+              <a:t>2021/3/8</a:t>
             </a:fld>
             <a:endParaRPr kumimoji="1" lang="ja-JP" altLang="en-US"/>
           </a:p>
@@ -2600,7 +2604,7 @@
           <a:p>
             <a:fld id="{CC8B6358-BFB7-4578-A38B-C38A737B95AF}" type="datetimeFigureOut">
               <a:rPr kumimoji="1" lang="ja-JP" altLang="en-US" smtClean="0"/>
-              <a:t>2021/2/12</a:t>
+              <a:t>2021/3/8</a:t>
             </a:fld>
             <a:endParaRPr kumimoji="1" lang="ja-JP" altLang="en-US"/>
           </a:p>
@@ -2943,7 +2947,7 @@
           <a:p>
             <a:fld id="{CC8B6358-BFB7-4578-A38B-C38A737B95AF}" type="datetimeFigureOut">
               <a:rPr kumimoji="1" lang="ja-JP" altLang="en-US" smtClean="0"/>
-              <a:t>2021/2/12</a:t>
+              <a:t>2021/3/8</a:t>
             </a:fld>
             <a:endParaRPr kumimoji="1" lang="ja-JP" altLang="en-US"/>
           </a:p>
@@ -3231,7 +3235,7 @@
           <a:p>
             <a:fld id="{CC8B6358-BFB7-4578-A38B-C38A737B95AF}" type="datetimeFigureOut">
               <a:rPr kumimoji="1" lang="ja-JP" altLang="en-US" smtClean="0"/>
-              <a:t>2021/2/12</a:t>
+              <a:t>2021/3/8</a:t>
             </a:fld>
             <a:endParaRPr kumimoji="1" lang="ja-JP" altLang="en-US"/>
           </a:p>
@@ -3504,7 +3508,7 @@
           <a:p>
             <a:fld id="{CC8B6358-BFB7-4578-A38B-C38A737B95AF}" type="datetimeFigureOut">
               <a:rPr kumimoji="1" lang="ja-JP" altLang="en-US" smtClean="0"/>
-              <a:t>2021/2/12</a:t>
+              <a:t>2021/3/8</a:t>
             </a:fld>
             <a:endParaRPr kumimoji="1" lang="ja-JP" altLang="en-US"/>
           </a:p>
@@ -5169,6 +5173,677 @@
 </p:sld>
 </file>
 
+<file path=ppt/slides/slide10.xml><?xml version="1.0" encoding="utf-8"?>
+<p:sld xmlns:a="http://schemas.openxmlformats.org/drawingml/2006/main" xmlns:r="http://schemas.openxmlformats.org/officeDocument/2006/relationships" xmlns:p="http://schemas.openxmlformats.org/presentationml/2006/main">
+  <p:cSld>
+    <p:spTree>
+      <p:nvGrpSpPr>
+        <p:cNvPr id="1" name=""/>
+        <p:cNvGrpSpPr/>
+        <p:nvPr/>
+      </p:nvGrpSpPr>
+      <p:grpSpPr>
+        <a:xfrm>
+          <a:off x="0" y="0"/>
+          <a:ext cx="0" cy="0"/>
+          <a:chOff x="0" y="0"/>
+          <a:chExt cx="0" cy="0"/>
+        </a:xfrm>
+      </p:grpSpPr>
+      <p:sp>
+        <p:nvSpPr>
+          <p:cNvPr id="2" name="タイトル 1">
+            <a:extLst>
+              <a:ext uri="{FF2B5EF4-FFF2-40B4-BE49-F238E27FC236}">
+                <a16:creationId xmlns:a16="http://schemas.microsoft.com/office/drawing/2014/main" id="{341E235B-103A-42F9-ABC6-C9F0E1CBED0E}"/>
+              </a:ext>
+            </a:extLst>
+          </p:cNvPr>
+          <p:cNvSpPr>
+            <a:spLocks noGrp="1"/>
+          </p:cNvSpPr>
+          <p:nvPr>
+            <p:ph type="title"/>
+          </p:nvPr>
+        </p:nvSpPr>
+        <p:spPr/>
+        <p:txBody>
+          <a:bodyPr>
+            <a:normAutofit fontScale="90000"/>
+          </a:bodyPr>
+          <a:lstStyle/>
+          <a:p>
+            <a:r>
+              <a:rPr kumimoji="1" lang="en-US" altLang="ja-JP" dirty="0"/>
+              <a:t>The Cobb-Douglas Marriage Matching Function: Marriage Matching with Peer and Scale Effects</a:t>
+            </a:r>
+            <a:endParaRPr kumimoji="1" lang="ja-JP" altLang="en-US" dirty="0"/>
+          </a:p>
+        </p:txBody>
+      </p:sp>
+      <p:sp>
+        <p:nvSpPr>
+          <p:cNvPr id="3" name="コンテンツ プレースホルダー 2">
+            <a:extLst>
+              <a:ext uri="{FF2B5EF4-FFF2-40B4-BE49-F238E27FC236}">
+                <a16:creationId xmlns:a16="http://schemas.microsoft.com/office/drawing/2014/main" id="{C5BC1264-0F4E-439F-A238-E37D01BF571F}"/>
+              </a:ext>
+            </a:extLst>
+          </p:cNvPr>
+          <p:cNvSpPr>
+            <a:spLocks noGrp="1"/>
+          </p:cNvSpPr>
+          <p:nvPr>
+            <p:ph sz="quarter" idx="13"/>
+          </p:nvPr>
+        </p:nvSpPr>
+        <p:spPr/>
+        <p:txBody>
+          <a:bodyPr/>
+          <a:lstStyle/>
+          <a:p>
+            <a:r>
+              <a:rPr kumimoji="1" lang="en-US" altLang="ja-JP" dirty="0"/>
+              <a:t>This study is trying to explain the decline in marriage rate. Although the cohabitation rate increases, it does not match up the decrease in marriage.</a:t>
+            </a:r>
+          </a:p>
+          <a:p>
+            <a:r>
+              <a:rPr lang="en-US" altLang="ja-JP" dirty="0"/>
+              <a:t>It </a:t>
+            </a:r>
+            <a:r>
+              <a:rPr kumimoji="1" lang="en-US" altLang="ja-JP" dirty="0"/>
+              <a:t>models a marriage matching in a Cobb-Douglas manner.</a:t>
+            </a:r>
+          </a:p>
+          <a:p>
+            <a:r>
+              <a:rPr lang="en-US" altLang="ja-JP" dirty="0"/>
+              <a:t>Peer effects = individuals’ choice to marry or cohabit is affected by the choice of their peers</a:t>
+            </a:r>
+          </a:p>
+          <a:p>
+            <a:r>
+              <a:rPr kumimoji="1" lang="en-US" altLang="ja-JP" dirty="0"/>
+              <a:t>Sca</a:t>
+            </a:r>
+            <a:r>
+              <a:rPr lang="en-US" altLang="ja-JP" dirty="0"/>
+              <a:t>le effect = The higher the marriage rate, the increasing return (??)</a:t>
+            </a:r>
+          </a:p>
+          <a:p>
+            <a:r>
+              <a:rPr kumimoji="1" lang="ja-JP" altLang="en-US" dirty="0"/>
+              <a:t>何がうれしいのかな</a:t>
+            </a:r>
+            <a:r>
+              <a:rPr kumimoji="1" lang="en-US" altLang="ja-JP" dirty="0"/>
+              <a:t>…</a:t>
+            </a:r>
+            <a:endParaRPr kumimoji="1" lang="ja-JP" altLang="en-US" dirty="0"/>
+          </a:p>
+        </p:txBody>
+      </p:sp>
+      <p:sp>
+        <p:nvSpPr>
+          <p:cNvPr id="4" name="テキスト プレースホルダー 3">
+            <a:extLst>
+              <a:ext uri="{FF2B5EF4-FFF2-40B4-BE49-F238E27FC236}">
+                <a16:creationId xmlns:a16="http://schemas.microsoft.com/office/drawing/2014/main" id="{FA71065D-BFEB-4544-B73A-8B1CE70599AD}"/>
+              </a:ext>
+            </a:extLst>
+          </p:cNvPr>
+          <p:cNvSpPr>
+            <a:spLocks noGrp="1"/>
+          </p:cNvSpPr>
+          <p:nvPr>
+            <p:ph type="body" sz="quarter" idx="14"/>
+          </p:nvPr>
+        </p:nvSpPr>
+        <p:spPr/>
+        <p:txBody>
+          <a:bodyPr/>
+          <a:lstStyle/>
+          <a:p>
+            <a:r>
+              <a:rPr kumimoji="1" lang="en-US" altLang="ja-JP" dirty="0" err="1"/>
+              <a:t>Mourifie</a:t>
+            </a:r>
+            <a:r>
+              <a:rPr kumimoji="1" lang="en-US" altLang="ja-JP" dirty="0"/>
+              <a:t> &amp; </a:t>
+            </a:r>
+            <a:r>
+              <a:rPr kumimoji="1" lang="en-US" altLang="ja-JP" dirty="0" err="1"/>
+              <a:t>Siow</a:t>
+            </a:r>
+            <a:r>
+              <a:rPr kumimoji="1" lang="en-US" altLang="ja-JP" dirty="0"/>
+              <a:t> (2021), JLE</a:t>
+            </a:r>
+            <a:endParaRPr kumimoji="1" lang="ja-JP" altLang="en-US" dirty="0"/>
+          </a:p>
+        </p:txBody>
+      </p:sp>
+    </p:spTree>
+    <p:extLst>
+      <p:ext uri="{BB962C8B-B14F-4D97-AF65-F5344CB8AC3E}">
+        <p14:creationId xmlns:p14="http://schemas.microsoft.com/office/powerpoint/2010/main" val="1279646206"/>
+      </p:ext>
+    </p:extLst>
+  </p:cSld>
+  <p:clrMapOvr>
+    <a:masterClrMapping/>
+  </p:clrMapOvr>
+</p:sld>
+</file>
+
+<file path=ppt/slides/slide11.xml><?xml version="1.0" encoding="utf-8"?>
+<p:sld xmlns:a="http://schemas.openxmlformats.org/drawingml/2006/main" xmlns:r="http://schemas.openxmlformats.org/officeDocument/2006/relationships" xmlns:p="http://schemas.openxmlformats.org/presentationml/2006/main">
+  <p:cSld>
+    <p:spTree>
+      <p:nvGrpSpPr>
+        <p:cNvPr id="1" name=""/>
+        <p:cNvGrpSpPr/>
+        <p:nvPr/>
+      </p:nvGrpSpPr>
+      <p:grpSpPr>
+        <a:xfrm>
+          <a:off x="0" y="0"/>
+          <a:ext cx="0" cy="0"/>
+          <a:chOff x="0" y="0"/>
+          <a:chExt cx="0" cy="0"/>
+        </a:xfrm>
+      </p:grpSpPr>
+      <p:sp>
+        <p:nvSpPr>
+          <p:cNvPr id="2" name="タイトル 1">
+            <a:extLst>
+              <a:ext uri="{FF2B5EF4-FFF2-40B4-BE49-F238E27FC236}">
+                <a16:creationId xmlns:a16="http://schemas.microsoft.com/office/drawing/2014/main" id="{9CAFB0F3-69B6-4CFC-A6B4-29C51790F104}"/>
+              </a:ext>
+            </a:extLst>
+          </p:cNvPr>
+          <p:cNvSpPr>
+            <a:spLocks noGrp="1"/>
+          </p:cNvSpPr>
+          <p:nvPr>
+            <p:ph type="title"/>
+          </p:nvPr>
+        </p:nvSpPr>
+        <p:spPr/>
+        <p:txBody>
+          <a:bodyPr>
+            <a:normAutofit fontScale="90000"/>
+          </a:bodyPr>
+          <a:lstStyle/>
+          <a:p>
+            <a:r>
+              <a:rPr kumimoji="1" lang="en-US" altLang="ja-JP" dirty="0"/>
+              <a:t>Searching for a Better Life: Predicting International Migration with Online Search Keywords</a:t>
+            </a:r>
+            <a:endParaRPr kumimoji="1" lang="ja-JP" altLang="en-US" dirty="0"/>
+          </a:p>
+        </p:txBody>
+      </p:sp>
+      <p:sp>
+        <p:nvSpPr>
+          <p:cNvPr id="3" name="コンテンツ プレースホルダー 2">
+            <a:extLst>
+              <a:ext uri="{FF2B5EF4-FFF2-40B4-BE49-F238E27FC236}">
+                <a16:creationId xmlns:a16="http://schemas.microsoft.com/office/drawing/2014/main" id="{CF3A5B82-F5B3-46D2-B00F-6DBE4B64E3C7}"/>
+              </a:ext>
+            </a:extLst>
+          </p:cNvPr>
+          <p:cNvSpPr>
+            <a:spLocks noGrp="1"/>
+          </p:cNvSpPr>
+          <p:nvPr>
+            <p:ph sz="quarter" idx="13"/>
+          </p:nvPr>
+        </p:nvSpPr>
+        <p:spPr/>
+        <p:txBody>
+          <a:bodyPr/>
+          <a:lstStyle/>
+          <a:p>
+            <a:r>
+              <a:rPr kumimoji="1" lang="en-US" altLang="ja-JP" dirty="0"/>
+              <a:t>This paper uses Google Trend Index to predict the intention to migrate.</a:t>
+            </a:r>
+          </a:p>
+          <a:p>
+            <a:r>
+              <a:rPr lang="en-US" altLang="ja-JP" dirty="0"/>
+              <a:t>It </a:t>
+            </a:r>
+            <a:r>
+              <a:rPr lang="en-US" altLang="ja-JP" dirty="0">
+                <a:highlight>
+                  <a:srgbClr val="FFFF00"/>
+                </a:highlight>
+              </a:rPr>
+              <a:t>handles the google trend data </a:t>
+            </a:r>
+            <a:r>
+              <a:rPr lang="en-US" altLang="ja-JP" dirty="0"/>
+              <a:t>very well by taking into account of…</a:t>
+            </a:r>
+          </a:p>
+          <a:p>
+            <a:pPr lvl="1"/>
+            <a:r>
+              <a:rPr lang="en-US" altLang="ja-JP" dirty="0"/>
+              <a:t>Different languages</a:t>
+            </a:r>
+          </a:p>
+          <a:p>
+            <a:pPr lvl="1"/>
+            <a:r>
+              <a:rPr lang="en-US" altLang="ja-JP" dirty="0"/>
+              <a:t>Related keywords (using semantic link)</a:t>
+            </a:r>
+          </a:p>
+          <a:p>
+            <a:pPr lvl="1"/>
+            <a:endParaRPr kumimoji="1" lang="ja-JP" altLang="en-US" dirty="0"/>
+          </a:p>
+        </p:txBody>
+      </p:sp>
+      <p:sp>
+        <p:nvSpPr>
+          <p:cNvPr id="4" name="テキスト プレースホルダー 3">
+            <a:extLst>
+              <a:ext uri="{FF2B5EF4-FFF2-40B4-BE49-F238E27FC236}">
+                <a16:creationId xmlns:a16="http://schemas.microsoft.com/office/drawing/2014/main" id="{E2EDA8F9-6F9E-4092-963A-5944AEF3D28D}"/>
+              </a:ext>
+            </a:extLst>
+          </p:cNvPr>
+          <p:cNvSpPr>
+            <a:spLocks noGrp="1"/>
+          </p:cNvSpPr>
+          <p:nvPr>
+            <p:ph type="body" sz="quarter" idx="14"/>
+          </p:nvPr>
+        </p:nvSpPr>
+        <p:spPr/>
+        <p:txBody>
+          <a:bodyPr/>
+          <a:lstStyle/>
+          <a:p>
+            <a:r>
+              <a:rPr kumimoji="1" lang="en-US" altLang="ja-JP" dirty="0"/>
+              <a:t>Bohme et al. (2020), JDE</a:t>
+            </a:r>
+            <a:endParaRPr kumimoji="1" lang="ja-JP" altLang="en-US" dirty="0"/>
+          </a:p>
+        </p:txBody>
+      </p:sp>
+    </p:spTree>
+    <p:extLst>
+      <p:ext uri="{BB962C8B-B14F-4D97-AF65-F5344CB8AC3E}">
+        <p14:creationId xmlns:p14="http://schemas.microsoft.com/office/powerpoint/2010/main" val="1421622816"/>
+      </p:ext>
+    </p:extLst>
+  </p:cSld>
+  <p:clrMapOvr>
+    <a:masterClrMapping/>
+  </p:clrMapOvr>
+</p:sld>
+</file>
+
+<file path=ppt/slides/slide12.xml><?xml version="1.0" encoding="utf-8"?>
+<p:sld xmlns:a="http://schemas.openxmlformats.org/drawingml/2006/main" xmlns:r="http://schemas.openxmlformats.org/officeDocument/2006/relationships" xmlns:p="http://schemas.openxmlformats.org/presentationml/2006/main">
+  <p:cSld>
+    <p:spTree>
+      <p:nvGrpSpPr>
+        <p:cNvPr id="1" name=""/>
+        <p:cNvGrpSpPr/>
+        <p:nvPr/>
+      </p:nvGrpSpPr>
+      <p:grpSpPr>
+        <a:xfrm>
+          <a:off x="0" y="0"/>
+          <a:ext cx="0" cy="0"/>
+          <a:chOff x="0" y="0"/>
+          <a:chExt cx="0" cy="0"/>
+        </a:xfrm>
+      </p:grpSpPr>
+      <p:sp>
+        <p:nvSpPr>
+          <p:cNvPr id="2" name="タイトル 1">
+            <a:extLst>
+              <a:ext uri="{FF2B5EF4-FFF2-40B4-BE49-F238E27FC236}">
+                <a16:creationId xmlns:a16="http://schemas.microsoft.com/office/drawing/2014/main" id="{BA852AE7-0809-424B-AF0B-D91202AFEF2C}"/>
+              </a:ext>
+            </a:extLst>
+          </p:cNvPr>
+          <p:cNvSpPr>
+            <a:spLocks noGrp="1"/>
+          </p:cNvSpPr>
+          <p:nvPr>
+            <p:ph type="title"/>
+          </p:nvPr>
+        </p:nvSpPr>
+        <p:spPr/>
+        <p:txBody>
+          <a:bodyPr/>
+          <a:lstStyle/>
+          <a:p>
+            <a:r>
+              <a:rPr kumimoji="1" lang="en-US" altLang="ja-JP" dirty="0"/>
+              <a:t>Estimating Gender Differences in Access to Jobs</a:t>
+            </a:r>
+            <a:endParaRPr kumimoji="1" lang="ja-JP" altLang="en-US" dirty="0"/>
+          </a:p>
+        </p:txBody>
+      </p:sp>
+      <p:sp>
+        <p:nvSpPr>
+          <p:cNvPr id="3" name="コンテンツ プレースホルダー 2">
+            <a:extLst>
+              <a:ext uri="{FF2B5EF4-FFF2-40B4-BE49-F238E27FC236}">
+                <a16:creationId xmlns:a16="http://schemas.microsoft.com/office/drawing/2014/main" id="{9FB6CB8D-0945-41FA-B479-E338E5CEC822}"/>
+              </a:ext>
+            </a:extLst>
+          </p:cNvPr>
+          <p:cNvSpPr>
+            <a:spLocks noGrp="1"/>
+          </p:cNvSpPr>
+          <p:nvPr>
+            <p:ph sz="quarter" idx="13"/>
+          </p:nvPr>
+        </p:nvSpPr>
+        <p:spPr/>
+        <p:txBody>
+          <a:bodyPr>
+            <a:normAutofit fontScale="92500" lnSpcReduction="10000"/>
+          </a:bodyPr>
+          <a:lstStyle/>
+          <a:p>
+            <a:r>
+              <a:rPr kumimoji="1" lang="en-US" altLang="ja-JP" dirty="0"/>
+              <a:t>Females are underrepresented in high-rank jobs.</a:t>
+            </a:r>
+          </a:p>
+          <a:p>
+            <a:r>
+              <a:rPr kumimoji="1" lang="en-US" altLang="ja-JP" dirty="0"/>
+              <a:t>This paper develops a new method to measure the gender difference.</a:t>
+            </a:r>
+          </a:p>
+          <a:p>
+            <a:pPr lvl="1"/>
+            <a:r>
+              <a:rPr kumimoji="1" lang="en-US" altLang="ja-JP" dirty="0"/>
+              <a:t>Previous studies have used quantile regression.</a:t>
+            </a:r>
+          </a:p>
+          <a:p>
+            <a:r>
+              <a:rPr lang="en-US" altLang="ja-JP" dirty="0"/>
+              <a:t>This paper bases the estimation on job assignment model. This model captures both</a:t>
+            </a:r>
+          </a:p>
+          <a:p>
+            <a:pPr lvl="1"/>
+            <a:r>
+              <a:rPr lang="en-US" altLang="ja-JP" dirty="0"/>
+              <a:t>Demand effect: discrimination during the hiring process.</a:t>
+            </a:r>
+          </a:p>
+          <a:p>
+            <a:pPr lvl="1"/>
+            <a:r>
+              <a:rPr lang="en-US" altLang="ja-JP" dirty="0"/>
+              <a:t>Supply effect: different preference for job position under time constraint</a:t>
+            </a:r>
+          </a:p>
+          <a:p>
+            <a:r>
+              <a:rPr lang="en-US" altLang="ja-JP" dirty="0"/>
+              <a:t>Results:</a:t>
+            </a:r>
+          </a:p>
+          <a:p>
+            <a:pPr lvl="1"/>
+            <a:r>
+              <a:rPr lang="en-US" altLang="ja-JP" dirty="0"/>
+              <a:t>There is gender difference at all positions.</a:t>
+            </a:r>
+          </a:p>
+          <a:p>
+            <a:pPr lvl="1"/>
+            <a:r>
+              <a:rPr lang="en-US" altLang="ja-JP" dirty="0">
+                <a:highlight>
+                  <a:srgbClr val="FFFF00"/>
+                </a:highlight>
+              </a:rPr>
+              <a:t>Gender difference increases with rank</a:t>
+            </a:r>
+            <a:r>
+              <a:rPr lang="en-US" altLang="ja-JP" dirty="0"/>
+              <a:t>.</a:t>
+            </a:r>
+          </a:p>
+          <a:p>
+            <a:endParaRPr kumimoji="1" lang="en-US" altLang="ja-JP" dirty="0"/>
+          </a:p>
+          <a:p>
+            <a:endParaRPr kumimoji="1" lang="ja-JP" altLang="en-US" dirty="0"/>
+          </a:p>
+        </p:txBody>
+      </p:sp>
+      <p:sp>
+        <p:nvSpPr>
+          <p:cNvPr id="4" name="テキスト プレースホルダー 3">
+            <a:extLst>
+              <a:ext uri="{FF2B5EF4-FFF2-40B4-BE49-F238E27FC236}">
+                <a16:creationId xmlns:a16="http://schemas.microsoft.com/office/drawing/2014/main" id="{EAF347D0-877F-4380-9791-047A3719FEAA}"/>
+              </a:ext>
+            </a:extLst>
+          </p:cNvPr>
+          <p:cNvSpPr>
+            <a:spLocks noGrp="1"/>
+          </p:cNvSpPr>
+          <p:nvPr>
+            <p:ph type="body" sz="quarter" idx="14"/>
+          </p:nvPr>
+        </p:nvSpPr>
+        <p:spPr/>
+        <p:txBody>
+          <a:bodyPr/>
+          <a:lstStyle/>
+          <a:p>
+            <a:r>
+              <a:rPr kumimoji="1" lang="en-US" altLang="ja-JP" dirty="0" err="1"/>
+              <a:t>Gobillon</a:t>
+            </a:r>
+            <a:r>
+              <a:rPr kumimoji="1" lang="en-US" altLang="ja-JP" dirty="0"/>
+              <a:t> et al. </a:t>
+            </a:r>
+            <a:r>
+              <a:rPr lang="en-US" altLang="ja-JP" dirty="0"/>
+              <a:t>(2015), JLE	</a:t>
+            </a:r>
+            <a:endParaRPr kumimoji="1" lang="ja-JP" altLang="en-US" dirty="0"/>
+          </a:p>
+        </p:txBody>
+      </p:sp>
+    </p:spTree>
+    <p:extLst>
+      <p:ext uri="{BB962C8B-B14F-4D97-AF65-F5344CB8AC3E}">
+        <p14:creationId xmlns:p14="http://schemas.microsoft.com/office/powerpoint/2010/main" val="3713616708"/>
+      </p:ext>
+    </p:extLst>
+  </p:cSld>
+  <p:clrMapOvr>
+    <a:masterClrMapping/>
+  </p:clrMapOvr>
+</p:sld>
+</file>
+
+<file path=ppt/slides/slide13.xml><?xml version="1.0" encoding="utf-8"?>
+<p:sld xmlns:a="http://schemas.openxmlformats.org/drawingml/2006/main" xmlns:r="http://schemas.openxmlformats.org/officeDocument/2006/relationships" xmlns:p="http://schemas.openxmlformats.org/presentationml/2006/main">
+  <p:cSld>
+    <p:spTree>
+      <p:nvGrpSpPr>
+        <p:cNvPr id="1" name=""/>
+        <p:cNvGrpSpPr/>
+        <p:nvPr/>
+      </p:nvGrpSpPr>
+      <p:grpSpPr>
+        <a:xfrm>
+          <a:off x="0" y="0"/>
+          <a:ext cx="0" cy="0"/>
+          <a:chOff x="0" y="0"/>
+          <a:chExt cx="0" cy="0"/>
+        </a:xfrm>
+      </p:grpSpPr>
+      <p:sp>
+        <p:nvSpPr>
+          <p:cNvPr id="2" name="タイトル 1">
+            <a:extLst>
+              <a:ext uri="{FF2B5EF4-FFF2-40B4-BE49-F238E27FC236}">
+                <a16:creationId xmlns:a16="http://schemas.microsoft.com/office/drawing/2014/main" id="{8485BAFE-7E01-4302-996B-42B318384AA5}"/>
+              </a:ext>
+            </a:extLst>
+          </p:cNvPr>
+          <p:cNvSpPr>
+            <a:spLocks noGrp="1"/>
+          </p:cNvSpPr>
+          <p:nvPr>
+            <p:ph type="title"/>
+          </p:nvPr>
+        </p:nvSpPr>
+        <p:spPr/>
+        <p:txBody>
+          <a:bodyPr/>
+          <a:lstStyle/>
+          <a:p>
+            <a:r>
+              <a:rPr kumimoji="1" lang="en-US" altLang="ja-JP" dirty="0"/>
+              <a:t>Economics and Identity	</a:t>
+            </a:r>
+            <a:endParaRPr kumimoji="1" lang="ja-JP" altLang="en-US" dirty="0"/>
+          </a:p>
+        </p:txBody>
+      </p:sp>
+      <p:sp>
+        <p:nvSpPr>
+          <p:cNvPr id="3" name="コンテンツ プレースホルダー 2">
+            <a:extLst>
+              <a:ext uri="{FF2B5EF4-FFF2-40B4-BE49-F238E27FC236}">
+                <a16:creationId xmlns:a16="http://schemas.microsoft.com/office/drawing/2014/main" id="{C880DDF8-B975-4175-92B3-BC946C6B01A0}"/>
+              </a:ext>
+            </a:extLst>
+          </p:cNvPr>
+          <p:cNvSpPr>
+            <a:spLocks noGrp="1"/>
+          </p:cNvSpPr>
+          <p:nvPr>
+            <p:ph sz="quarter" idx="13"/>
+          </p:nvPr>
+        </p:nvSpPr>
+        <p:spPr/>
+        <p:txBody>
+          <a:bodyPr/>
+          <a:lstStyle/>
+          <a:p>
+            <a:r>
+              <a:rPr kumimoji="1" lang="en-US" altLang="ja-JP" dirty="0"/>
+              <a:t>This </a:t>
+            </a:r>
+            <a:r>
+              <a:rPr kumimoji="1" lang="en-US" altLang="ja-JP" dirty="0" err="1"/>
+              <a:t>papve</a:t>
+            </a:r>
+            <a:r>
+              <a:rPr kumimoji="1" lang="en-US" altLang="ja-JP" dirty="0"/>
+              <a:t> er incorporates identity into the utility function.</a:t>
+            </a:r>
+          </a:p>
+          <a:p>
+            <a:r>
+              <a:rPr lang="en-US" altLang="ja-JP" dirty="0"/>
+              <a:t>A person suffers welfare loss if they behave differently from their identity.</a:t>
+            </a:r>
+          </a:p>
+          <a:p>
+            <a:r>
+              <a:rPr lang="en-US" altLang="ja-JP" dirty="0"/>
+              <a:t>A person may also suffer welfare loss if other people in the same social category behave differently from </a:t>
+            </a:r>
+            <a:r>
+              <a:rPr lang="en-US" altLang="ja-JP"/>
+              <a:t>the identity (</a:t>
+            </a:r>
+            <a:r>
+              <a:rPr lang="en-US" altLang="ja-JP" dirty="0"/>
+              <a:t>externality)</a:t>
+            </a:r>
+            <a:endParaRPr kumimoji="1" lang="ja-JP" altLang="en-US" dirty="0"/>
+          </a:p>
+        </p:txBody>
+      </p:sp>
+      <p:sp>
+        <p:nvSpPr>
+          <p:cNvPr id="4" name="テキスト プレースホルダー 3">
+            <a:extLst>
+              <a:ext uri="{FF2B5EF4-FFF2-40B4-BE49-F238E27FC236}">
+                <a16:creationId xmlns:a16="http://schemas.microsoft.com/office/drawing/2014/main" id="{994C4CF6-0A7D-41B5-A8CA-32242661145A}"/>
+              </a:ext>
+            </a:extLst>
+          </p:cNvPr>
+          <p:cNvSpPr>
+            <a:spLocks noGrp="1"/>
+          </p:cNvSpPr>
+          <p:nvPr>
+            <p:ph type="body" sz="quarter" idx="14"/>
+          </p:nvPr>
+        </p:nvSpPr>
+        <p:spPr/>
+        <p:txBody>
+          <a:bodyPr/>
+          <a:lstStyle/>
+          <a:p>
+            <a:r>
+              <a:rPr kumimoji="1" lang="en-US" altLang="ja-JP" dirty="0" err="1"/>
+              <a:t>Akerlof</a:t>
+            </a:r>
+            <a:r>
+              <a:rPr kumimoji="1" lang="en-US" altLang="ja-JP" dirty="0"/>
+              <a:t> &amp; </a:t>
+            </a:r>
+            <a:r>
+              <a:rPr kumimoji="1" lang="en-US" altLang="ja-JP" dirty="0" err="1"/>
+              <a:t>Kranton</a:t>
+            </a:r>
+            <a:r>
+              <a:rPr kumimoji="1" lang="en-US" altLang="ja-JP" dirty="0"/>
+              <a:t> (2000)</a:t>
+            </a:r>
+            <a:endParaRPr kumimoji="1" lang="ja-JP" altLang="en-US" dirty="0"/>
+          </a:p>
+        </p:txBody>
+      </p:sp>
+    </p:spTree>
+    <p:extLst>
+      <p:ext uri="{BB962C8B-B14F-4D97-AF65-F5344CB8AC3E}">
+        <p14:creationId xmlns:p14="http://schemas.microsoft.com/office/powerpoint/2010/main" val="2065583595"/>
+      </p:ext>
+    </p:extLst>
+  </p:cSld>
+  <p:clrMapOvr>
+    <a:masterClrMapping/>
+  </p:clrMapOvr>
+</p:sld>
+</file>
+
 <file path=ppt/slides/slide2.xml><?xml version="1.0" encoding="utf-8"?>
 <p:sld xmlns:a="http://schemas.openxmlformats.org/drawingml/2006/main" xmlns:r="http://schemas.openxmlformats.org/officeDocument/2006/relationships" xmlns:p="http://schemas.openxmlformats.org/presentationml/2006/main">
   <p:cSld>
